--- a/ASMU432/ppts/Beach Boys, Surf Music, and Hot.pptx
+++ b/ASMU432/ppts/Beach Boys, Surf Music, and Hot.pptx
@@ -125,10 +125,6 @@
 </p:presentation>
 </file>
 
-<file path=ppt/revisionInfo.xml><?xml version="1.0" encoding="utf-8"?>
-<p1510:revInfo xmlns:a="http://schemas.openxmlformats.org/drawingml/2006/main" xmlns:r="http://schemas.openxmlformats.org/officeDocument/2006/relationships" xmlns:p1510="http://schemas.microsoft.com/office/powerpoint/2015/10/main"/>
-</file>
-
 <file path=ppt/notesMasters/notesMaster1.xml><?xml version="1.0" encoding="utf-8"?>
 <p:notesMaster xmlns:a="http://schemas.openxmlformats.org/drawingml/2006/main" xmlns:r="http://schemas.openxmlformats.org/officeDocument/2006/relationships" xmlns:p="http://schemas.openxmlformats.org/presentationml/2006/main">
   <p:cSld>
@@ -211,7 +207,7 @@
           <a:p>
             <a:fld id="{67133B79-64F9-47CC-89AE-1B28531A2900}" type="datetimeFigureOut">
               <a:rPr lang="en-CA" smtClean="0"/>
-              <a:t>30/01/2018</a:t>
+              <a:t>22/10/2018</a:t>
             </a:fld>
             <a:endParaRPr lang="en-CA"/>
           </a:p>
@@ -695,7 +691,7 @@
           <a:p>
             <a:fld id="{2EEA8ECE-E1C6-4D1A-8C94-F06283DD1698}" type="datetimeFigureOut">
               <a:rPr lang="en-US" smtClean="0"/>
-              <a:t>1/30/2018</a:t>
+              <a:t>10/22/2018</a:t>
             </a:fld>
             <a:endParaRPr lang="en-US"/>
           </a:p>
@@ -863,7 +859,7 @@
           <a:p>
             <a:fld id="{2EEA8ECE-E1C6-4D1A-8C94-F06283DD1698}" type="datetimeFigureOut">
               <a:rPr lang="en-US" smtClean="0"/>
-              <a:t>1/30/2018</a:t>
+              <a:t>10/22/2018</a:t>
             </a:fld>
             <a:endParaRPr lang="en-US"/>
           </a:p>
@@ -1041,7 +1037,7 @@
           <a:p>
             <a:fld id="{2EEA8ECE-E1C6-4D1A-8C94-F06283DD1698}" type="datetimeFigureOut">
               <a:rPr lang="en-US" smtClean="0"/>
-              <a:t>1/30/2018</a:t>
+              <a:t>10/22/2018</a:t>
             </a:fld>
             <a:endParaRPr lang="en-US"/>
           </a:p>
@@ -1209,7 +1205,7 @@
           <a:p>
             <a:fld id="{2EEA8ECE-E1C6-4D1A-8C94-F06283DD1698}" type="datetimeFigureOut">
               <a:rPr lang="en-US" smtClean="0"/>
-              <a:t>1/30/2018</a:t>
+              <a:t>10/22/2018</a:t>
             </a:fld>
             <a:endParaRPr lang="en-US"/>
           </a:p>
@@ -1454,7 +1450,7 @@
           <a:p>
             <a:fld id="{2EEA8ECE-E1C6-4D1A-8C94-F06283DD1698}" type="datetimeFigureOut">
               <a:rPr lang="en-US" smtClean="0"/>
-              <a:t>1/30/2018</a:t>
+              <a:t>10/22/2018</a:t>
             </a:fld>
             <a:endParaRPr lang="en-US"/>
           </a:p>
@@ -1683,7 +1679,7 @@
           <a:p>
             <a:fld id="{2EEA8ECE-E1C6-4D1A-8C94-F06283DD1698}" type="datetimeFigureOut">
               <a:rPr lang="en-US" smtClean="0"/>
-              <a:t>1/30/2018</a:t>
+              <a:t>10/22/2018</a:t>
             </a:fld>
             <a:endParaRPr lang="en-US"/>
           </a:p>
@@ -2047,7 +2043,7 @@
           <a:p>
             <a:fld id="{2EEA8ECE-E1C6-4D1A-8C94-F06283DD1698}" type="datetimeFigureOut">
               <a:rPr lang="en-US" smtClean="0"/>
-              <a:t>1/30/2018</a:t>
+              <a:t>10/22/2018</a:t>
             </a:fld>
             <a:endParaRPr lang="en-US"/>
           </a:p>
@@ -2164,7 +2160,7 @@
           <a:p>
             <a:fld id="{2EEA8ECE-E1C6-4D1A-8C94-F06283DD1698}" type="datetimeFigureOut">
               <a:rPr lang="en-US" smtClean="0"/>
-              <a:t>1/30/2018</a:t>
+              <a:t>10/22/2018</a:t>
             </a:fld>
             <a:endParaRPr lang="en-US"/>
           </a:p>
@@ -2259,7 +2255,7 @@
           <a:p>
             <a:fld id="{2EEA8ECE-E1C6-4D1A-8C94-F06283DD1698}" type="datetimeFigureOut">
               <a:rPr lang="en-US" smtClean="0"/>
-              <a:t>1/30/2018</a:t>
+              <a:t>10/22/2018</a:t>
             </a:fld>
             <a:endParaRPr lang="en-US"/>
           </a:p>
@@ -2534,7 +2530,7 @@
           <a:p>
             <a:fld id="{2EEA8ECE-E1C6-4D1A-8C94-F06283DD1698}" type="datetimeFigureOut">
               <a:rPr lang="en-US" smtClean="0"/>
-              <a:t>1/30/2018</a:t>
+              <a:t>10/22/2018</a:t>
             </a:fld>
             <a:endParaRPr lang="en-US"/>
           </a:p>
@@ -2786,7 +2782,7 @@
           <a:p>
             <a:fld id="{2EEA8ECE-E1C6-4D1A-8C94-F06283DD1698}" type="datetimeFigureOut">
               <a:rPr lang="en-US" smtClean="0"/>
-              <a:t>1/30/2018</a:t>
+              <a:t>10/22/2018</a:t>
             </a:fld>
             <a:endParaRPr lang="en-US"/>
           </a:p>
@@ -3007,7 +3003,7 @@
           <a:p>
             <a:fld id="{2EEA8ECE-E1C6-4D1A-8C94-F06283DD1698}" type="datetimeFigureOut">
               <a:rPr lang="en-US" smtClean="0"/>
-              <a:t>1/30/2018</a:t>
+              <a:t>10/22/2018</a:t>
             </a:fld>
             <a:endParaRPr lang="en-US"/>
           </a:p>
@@ -3677,17 +3673,7 @@
             </a:pPr>
             <a:r>
               <a:rPr lang="en-US" sz="2800" dirty="0"/>
-              <a:t>Brian Wilson’s project [</a:t>
-            </a:r>
-            <a:r>
-              <a:rPr lang="en-US" sz="2800" dirty="0">
-                <a:hlinkClick r:id="rId3"/>
-              </a:rPr>
-              <a:t>link</a:t>
-            </a:r>
-            <a:r>
-              <a:rPr lang="en-US" sz="2800" dirty="0"/>
-              <a:t>]</a:t>
+              <a:t>Brian Wilson’s project</a:t>
             </a:r>
           </a:p>
           <a:p>
@@ -4222,74 +4208,80 @@
         </p:nvSpPr>
         <p:spPr>
           <a:xfrm>
-            <a:off x="315686" y="1464905"/>
-            <a:ext cx="8707016" cy="4839155"/>
+            <a:off x="315686" y="1129005"/>
+            <a:ext cx="8954774" cy="5175056"/>
           </a:xfrm>
         </p:spPr>
         <p:txBody>
           <a:bodyPr>
-            <a:normAutofit fontScale="85000" lnSpcReduction="20000"/>
+            <a:noAutofit/>
           </a:bodyPr>
           <a:lstStyle/>
           <a:p>
             <a:r>
-              <a:rPr lang="en-US" dirty="0"/>
+              <a:rPr lang="en-US" sz="2400" dirty="0"/>
               <a:t>Richard Anthony </a:t>
             </a:r>
             <a:r>
-              <a:rPr lang="en-US" dirty="0" err="1"/>
+              <a:rPr lang="en-US" sz="2400" dirty="0" err="1"/>
               <a:t>Monsour</a:t>
             </a:r>
             <a:r>
-              <a:rPr lang="en-US" dirty="0"/>
+              <a:rPr lang="en-US" sz="2400" dirty="0"/>
               <a:t> (b. 1937) from Boston and Quincy, Mass.</a:t>
             </a:r>
           </a:p>
           <a:p>
             <a:r>
-              <a:rPr lang="en-US" dirty="0"/>
-              <a:t> After grade 11, moved to El Segundo, learned to play piano, ukulele, guitar, trumpet, </a:t>
-            </a:r>
-            <a:r>
-              <a:rPr lang="en-US" dirty="0" err="1"/>
+              <a:rPr lang="en-US" sz="2400" dirty="0"/>
+              <a:t>learned to play piano, ukulele, guitar, trumpet, </a:t>
+            </a:r>
+            <a:r>
+              <a:rPr lang="en-US" sz="2400" dirty="0" err="1"/>
               <a:t>tarabaki</a:t>
             </a:r>
             <a:r>
-              <a:rPr lang="en-US" dirty="0"/>
+              <a:rPr lang="en-US" sz="2400" dirty="0"/>
               <a:t>, and drums.</a:t>
             </a:r>
           </a:p>
           <a:p>
             <a:r>
-              <a:rPr lang="en-US" dirty="0"/>
+              <a:rPr lang="en-US" sz="2400" dirty="0"/>
+              <a:t>After grade 11, moved to El Segundo.</a:t>
+            </a:r>
+          </a:p>
+          <a:p>
+            <a:r>
+              <a:rPr lang="en-US" sz="2400" dirty="0"/>
               <a:t>Learned to surf, and then made music to match.</a:t>
             </a:r>
           </a:p>
           <a:p>
             <a:r>
-              <a:rPr lang="en-US" dirty="0"/>
+              <a:rPr lang="en-US" sz="2400" dirty="0"/>
               <a:t>Leo Fender: guitars and amps (first 100-watt amp)</a:t>
             </a:r>
           </a:p>
           <a:p>
             <a:r>
-              <a:rPr lang="en-US" dirty="0"/>
+              <a:rPr lang="en-US" sz="2400" dirty="0"/>
               <a:t>Michalis </a:t>
             </a:r>
             <a:r>
-              <a:rPr lang="en-US" dirty="0" err="1"/>
+              <a:rPr lang="en-US" sz="2400" dirty="0" err="1"/>
               <a:t>Patrinos</a:t>
             </a:r>
             <a:r>
-              <a:rPr lang="en-US" dirty="0"/>
+              <a:rPr lang="en-US" sz="2400" dirty="0"/>
               <a:t> (from Izmir), “</a:t>
             </a:r>
             <a:r>
-              <a:rPr lang="en-US" dirty="0" err="1"/>
+              <a:rPr lang="en-US" sz="2400" dirty="0" err="1"/>
               <a:t>Miserlou</a:t>
             </a:r>
             <a:r>
-              <a:rPr lang="en-US" dirty="0"/>
+              <a:rPr lang="en-US" sz="2400" dirty="0"/>
               <a:t>,” 1930: </a:t>
             </a:r>
           </a:p>
@@ -4305,15 +4297,15 @@
           </a:p>
           <a:p>
             <a:r>
-              <a:rPr lang="en-US" dirty="0"/>
+              <a:rPr lang="en-US" sz="2400" dirty="0"/>
               <a:t>Dick Dale and the Del-Tones, “</a:t>
             </a:r>
             <a:r>
-              <a:rPr lang="en-US" dirty="0" err="1"/>
+              <a:rPr lang="en-US" sz="2400" dirty="0" err="1"/>
               <a:t>Miserlou</a:t>
             </a:r>
             <a:r>
-              <a:rPr lang="en-US" dirty="0"/>
+              <a:rPr lang="en-US" sz="2400" dirty="0"/>
               <a:t>,” 1962: </a:t>
             </a:r>
           </a:p>
@@ -4329,11 +4321,11 @@
           </a:p>
           <a:p>
             <a:r>
-              <a:rPr lang="en-US" i="1" dirty="0"/>
+              <a:rPr lang="en-US" sz="2400" i="1" dirty="0"/>
               <a:t>Beach Party</a:t>
             </a:r>
             <a:r>
-              <a:rPr lang="en-US" dirty="0"/>
+              <a:rPr lang="en-US" sz="2400" dirty="0"/>
               <a:t> (1963 film):</a:t>
             </a:r>
           </a:p>
@@ -4349,7 +4341,7 @@
           </a:p>
           <a:p>
             <a:r>
-              <a:rPr lang="en-US" dirty="0"/>
+              <a:rPr lang="en-US" sz="2400" dirty="0"/>
               <a:t>Single-note staccato playing influenced, Hendrix, emergence of Heavy Metal</a:t>
             </a:r>
           </a:p>
@@ -4466,8 +4458,8 @@
         </p:nvSpPr>
         <p:spPr>
           <a:xfrm>
-            <a:off x="838200" y="1533796"/>
-            <a:ext cx="11000362" cy="4545992"/>
+            <a:off x="838200" y="1284052"/>
+            <a:ext cx="11000362" cy="5208822"/>
           </a:xfrm>
         </p:spPr>
         <p:txBody>
@@ -4512,15 +4504,7 @@
           <a:p>
             <a:r>
               <a:rPr lang="en-CA" dirty="0"/>
-              <a:t>Had a hit in 1959 </a:t>
-            </a:r>
-            <a:r>
-              <a:rPr lang="en-CA"/>
-              <a:t>with “Baby </a:t>
-            </a:r>
-            <a:r>
-              <a:rPr lang="en-CA" dirty="0"/>
-              <a:t>Talk”, got to number 10.</a:t>
+              <a:t>Had a hit in 1959 with “Baby Talk”, got to number 10.</a:t>
             </a:r>
           </a:p>
           <a:p>
@@ -4528,6 +4512,13 @@
               <a:rPr lang="en-CA" dirty="0"/>
               <a:t>Brian Wilson gave them a hit in 1963 with “Surf City,” first surf song to top the Hot 100.</a:t>
             </a:r>
+          </a:p>
+          <a:p>
+            <a:r>
+              <a:rPr lang="en-US" dirty="0"/>
+              <a:t>Other hits: "Drag City" (1963), "The Little Old Lady from Pasadena" (1964), and "Dead Man's Curve" (1964); </a:t>
+            </a:r>
+            <a:endParaRPr lang="en-CA" dirty="0"/>
           </a:p>
           <a:p>
             <a:r>

--- a/ASMU432/ppts/Beach Boys, Surf Music, and Hot.pptx
+++ b/ASMU432/ppts/Beach Boys, Surf Music, and Hot.pptx
@@ -5,7 +5,7 @@
     <p:sldMasterId id="2147483648" r:id="rId1"/>
   </p:sldMasterIdLst>
   <p:notesMasterIdLst>
-    <p:notesMasterId r:id="rId13"/>
+    <p:notesMasterId r:id="rId15"/>
   </p:notesMasterIdLst>
   <p:sldIdLst>
     <p:sldId id="256" r:id="rId2"/>
@@ -18,7 +18,9 @@
     <p:sldId id="261" r:id="rId9"/>
     <p:sldId id="264" r:id="rId10"/>
     <p:sldId id="262" r:id="rId11"/>
-    <p:sldId id="263" r:id="rId12"/>
+    <p:sldId id="268" r:id="rId12"/>
+    <p:sldId id="263" r:id="rId13"/>
+    <p:sldId id="267" r:id="rId14"/>
   </p:sldIdLst>
   <p:sldSz cx="12192000" cy="6858000"/>
   <p:notesSz cx="6858000" cy="9144000"/>
@@ -207,7 +209,7 @@
           <a:p>
             <a:fld id="{67133B79-64F9-47CC-89AE-1B28531A2900}" type="datetimeFigureOut">
               <a:rPr lang="en-CA" smtClean="0"/>
-              <a:t>22/10/2018</a:t>
+              <a:t>24/09/2019</a:t>
             </a:fld>
             <a:endParaRPr lang="en-CA"/>
           </a:p>
@@ -691,7 +693,7 @@
           <a:p>
             <a:fld id="{2EEA8ECE-E1C6-4D1A-8C94-F06283DD1698}" type="datetimeFigureOut">
               <a:rPr lang="en-US" smtClean="0"/>
-              <a:t>10/22/2018</a:t>
+              <a:t>9/24/2019</a:t>
             </a:fld>
             <a:endParaRPr lang="en-US"/>
           </a:p>
@@ -859,7 +861,7 @@
           <a:p>
             <a:fld id="{2EEA8ECE-E1C6-4D1A-8C94-F06283DD1698}" type="datetimeFigureOut">
               <a:rPr lang="en-US" smtClean="0"/>
-              <a:t>10/22/2018</a:t>
+              <a:t>9/24/2019</a:t>
             </a:fld>
             <a:endParaRPr lang="en-US"/>
           </a:p>
@@ -1037,7 +1039,7 @@
           <a:p>
             <a:fld id="{2EEA8ECE-E1C6-4D1A-8C94-F06283DD1698}" type="datetimeFigureOut">
               <a:rPr lang="en-US" smtClean="0"/>
-              <a:t>10/22/2018</a:t>
+              <a:t>9/24/2019</a:t>
             </a:fld>
             <a:endParaRPr lang="en-US"/>
           </a:p>
@@ -1205,7 +1207,7 @@
           <a:p>
             <a:fld id="{2EEA8ECE-E1C6-4D1A-8C94-F06283DD1698}" type="datetimeFigureOut">
               <a:rPr lang="en-US" smtClean="0"/>
-              <a:t>10/22/2018</a:t>
+              <a:t>9/24/2019</a:t>
             </a:fld>
             <a:endParaRPr lang="en-US"/>
           </a:p>
@@ -1450,7 +1452,7 @@
           <a:p>
             <a:fld id="{2EEA8ECE-E1C6-4D1A-8C94-F06283DD1698}" type="datetimeFigureOut">
               <a:rPr lang="en-US" smtClean="0"/>
-              <a:t>10/22/2018</a:t>
+              <a:t>9/24/2019</a:t>
             </a:fld>
             <a:endParaRPr lang="en-US"/>
           </a:p>
@@ -1679,7 +1681,7 @@
           <a:p>
             <a:fld id="{2EEA8ECE-E1C6-4D1A-8C94-F06283DD1698}" type="datetimeFigureOut">
               <a:rPr lang="en-US" smtClean="0"/>
-              <a:t>10/22/2018</a:t>
+              <a:t>9/24/2019</a:t>
             </a:fld>
             <a:endParaRPr lang="en-US"/>
           </a:p>
@@ -2043,7 +2045,7 @@
           <a:p>
             <a:fld id="{2EEA8ECE-E1C6-4D1A-8C94-F06283DD1698}" type="datetimeFigureOut">
               <a:rPr lang="en-US" smtClean="0"/>
-              <a:t>10/22/2018</a:t>
+              <a:t>9/24/2019</a:t>
             </a:fld>
             <a:endParaRPr lang="en-US"/>
           </a:p>
@@ -2160,7 +2162,7 @@
           <a:p>
             <a:fld id="{2EEA8ECE-E1C6-4D1A-8C94-F06283DD1698}" type="datetimeFigureOut">
               <a:rPr lang="en-US" smtClean="0"/>
-              <a:t>10/22/2018</a:t>
+              <a:t>9/24/2019</a:t>
             </a:fld>
             <a:endParaRPr lang="en-US"/>
           </a:p>
@@ -2255,7 +2257,7 @@
           <a:p>
             <a:fld id="{2EEA8ECE-E1C6-4D1A-8C94-F06283DD1698}" type="datetimeFigureOut">
               <a:rPr lang="en-US" smtClean="0"/>
-              <a:t>10/22/2018</a:t>
+              <a:t>9/24/2019</a:t>
             </a:fld>
             <a:endParaRPr lang="en-US"/>
           </a:p>
@@ -2530,7 +2532,7 @@
           <a:p>
             <a:fld id="{2EEA8ECE-E1C6-4D1A-8C94-F06283DD1698}" type="datetimeFigureOut">
               <a:rPr lang="en-US" smtClean="0"/>
-              <a:t>10/22/2018</a:t>
+              <a:t>9/24/2019</a:t>
             </a:fld>
             <a:endParaRPr lang="en-US"/>
           </a:p>
@@ -2782,7 +2784,7 @@
           <a:p>
             <a:fld id="{2EEA8ECE-E1C6-4D1A-8C94-F06283DD1698}" type="datetimeFigureOut">
               <a:rPr lang="en-US" smtClean="0"/>
-              <a:t>10/22/2018</a:t>
+              <a:t>9/24/2019</a:t>
             </a:fld>
             <a:endParaRPr lang="en-US"/>
           </a:p>
@@ -3003,7 +3005,7 @@
           <a:p>
             <a:fld id="{2EEA8ECE-E1C6-4D1A-8C94-F06283DD1698}" type="datetimeFigureOut">
               <a:rPr lang="en-US" smtClean="0"/>
-              <a:t>10/22/2018</a:t>
+              <a:t>9/24/2019</a:t>
             </a:fld>
             <a:endParaRPr lang="en-US"/>
           </a:p>
@@ -3560,6 +3562,542 @@
 <file path=ppt/slides/slide11.xml><?xml version="1.0" encoding="utf-8"?>
 <p:sld xmlns:a="http://schemas.openxmlformats.org/drawingml/2006/main" xmlns:r="http://schemas.openxmlformats.org/officeDocument/2006/relationships" xmlns:p="http://schemas.openxmlformats.org/presentationml/2006/main">
   <p:cSld>
+    <p:bg>
+      <p:bgPr>
+        <a:solidFill>
+          <a:schemeClr val="bg1"/>
+        </a:solidFill>
+        <a:effectLst/>
+      </p:bgPr>
+    </p:bg>
+    <p:spTree>
+      <p:nvGrpSpPr>
+        <p:cNvPr id="1" name=""/>
+        <p:cNvGrpSpPr/>
+        <p:nvPr/>
+      </p:nvGrpSpPr>
+      <p:grpSpPr>
+        <a:xfrm>
+          <a:off x="0" y="0"/>
+          <a:ext cx="0" cy="0"/>
+          <a:chOff x="0" y="0"/>
+          <a:chExt cx="0" cy="0"/>
+        </a:xfrm>
+      </p:grpSpPr>
+      <p:sp>
+        <p:nvSpPr>
+          <p:cNvPr id="10" name="Rectangle 9">
+            <a:extLst>
+              <a:ext uri="{FF2B5EF4-FFF2-40B4-BE49-F238E27FC236}">
+                <a16:creationId xmlns:a16="http://schemas.microsoft.com/office/drawing/2014/main" id="{56C20283-73E0-40EC-8AD8-057F581F64C2}"/>
+              </a:ext>
+              <a:ext uri="{C183D7F6-B498-43B3-948B-1728B52AA6E4}">
+                <adec:decorative xmlns:adec="http://schemas.microsoft.com/office/drawing/2017/decorative" val="1"/>
+              </a:ext>
+            </a:extLst>
+          </p:cNvPr>
+          <p:cNvSpPr>
+            <a:spLocks noGrp="1" noRot="1" noChangeAspect="1" noMove="1" noResize="1" noEditPoints="1" noAdjustHandles="1" noChangeArrowheads="1" noChangeShapeType="1" noTextEdit="1"/>
+          </p:cNvSpPr>
+          <p:nvPr>
+            <p:extLst>
+              <p:ext uri="{386F3935-93C4-4BCD-93E2-E3B085C9AB24}">
+                <p16:designElem xmlns:p16="http://schemas.microsoft.com/office/powerpoint/2015/main" val="1"/>
+              </p:ext>
+            </p:extLst>
+          </p:nvPr>
+        </p:nvSpPr>
+        <p:spPr>
+          <a:xfrm>
+            <a:off x="1524" y="0"/>
+            <a:ext cx="12188952" cy="6858000"/>
+          </a:xfrm>
+          <a:prstGeom prst="rect">
+            <a:avLst/>
+          </a:prstGeom>
+          <a:solidFill>
+            <a:schemeClr val="tx1"/>
+          </a:solidFill>
+          <a:ln>
+            <a:noFill/>
+          </a:ln>
+        </p:spPr>
+        <p:style>
+          <a:lnRef idx="2">
+            <a:schemeClr val="accent1">
+              <a:shade val="50000"/>
+            </a:schemeClr>
+          </a:lnRef>
+          <a:fillRef idx="1">
+            <a:schemeClr val="accent1"/>
+          </a:fillRef>
+          <a:effectRef idx="0">
+            <a:schemeClr val="accent1"/>
+          </a:effectRef>
+          <a:fontRef idx="minor">
+            <a:schemeClr val="lt1"/>
+          </a:fontRef>
+        </p:style>
+        <p:txBody>
+          <a:bodyPr rtlCol="0" anchor="ctr"/>
+          <a:lstStyle/>
+          <a:p>
+            <a:pPr algn="ctr"/>
+            <a:endParaRPr lang="en-US"/>
+          </a:p>
+        </p:txBody>
+      </p:sp>
+      <p:sp>
+        <p:nvSpPr>
+          <p:cNvPr id="12" name="Freeform 28">
+            <a:extLst>
+              <a:ext uri="{FF2B5EF4-FFF2-40B4-BE49-F238E27FC236}">
+                <a16:creationId xmlns:a16="http://schemas.microsoft.com/office/drawing/2014/main" id="{3FCC729B-E528-40C3-82D3-BA4375575E87}"/>
+              </a:ext>
+              <a:ext uri="{C183D7F6-B498-43B3-948B-1728B52AA6E4}">
+                <adec:decorative xmlns:adec="http://schemas.microsoft.com/office/drawing/2017/decorative" val="1"/>
+              </a:ext>
+            </a:extLst>
+          </p:cNvPr>
+          <p:cNvSpPr>
+            <a:spLocks noGrp="1" noRot="1" noChangeAspect="1" noMove="1" noResize="1" noEditPoints="1" noAdjustHandles="1" noChangeArrowheads="1" noChangeShapeType="1" noTextEdit="1"/>
+          </p:cNvSpPr>
+          <p:nvPr>
+            <p:extLst>
+              <p:ext uri="{386F3935-93C4-4BCD-93E2-E3B085C9AB24}">
+                <p16:designElem xmlns:p16="http://schemas.microsoft.com/office/powerpoint/2015/main" val="1"/>
+              </p:ext>
+            </p:extLst>
+          </p:nvPr>
+        </p:nvSpPr>
+        <p:spPr>
+          <a:xfrm flipH="1" flipV="1">
+            <a:off x="960120" y="0"/>
+            <a:ext cx="11218661" cy="6858000"/>
+          </a:xfrm>
+          <a:custGeom>
+            <a:avLst/>
+            <a:gdLst>
+              <a:gd name="connsiteX0" fmla="*/ 0 w 11218661"/>
+              <a:gd name="connsiteY0" fmla="*/ 0 h 6858000"/>
+              <a:gd name="connsiteX1" fmla="*/ 8042507 w 11218661"/>
+              <a:gd name="connsiteY1" fmla="*/ 0 h 6858000"/>
+              <a:gd name="connsiteX2" fmla="*/ 11218661 w 11218661"/>
+              <a:gd name="connsiteY2" fmla="*/ 6858000 h 6858000"/>
+              <a:gd name="connsiteX3" fmla="*/ 0 w 11218661"/>
+              <a:gd name="connsiteY3" fmla="*/ 6858000 h 6858000"/>
+            </a:gdLst>
+            <a:ahLst/>
+            <a:cxnLst>
+              <a:cxn ang="0">
+                <a:pos x="connsiteX0" y="connsiteY0"/>
+              </a:cxn>
+              <a:cxn ang="0">
+                <a:pos x="connsiteX1" y="connsiteY1"/>
+              </a:cxn>
+              <a:cxn ang="0">
+                <a:pos x="connsiteX2" y="connsiteY2"/>
+              </a:cxn>
+              <a:cxn ang="0">
+                <a:pos x="connsiteX3" y="connsiteY3"/>
+              </a:cxn>
+            </a:cxnLst>
+            <a:rect l="l" t="t" r="r" b="b"/>
+            <a:pathLst>
+              <a:path w="11218661" h="6858000">
+                <a:moveTo>
+                  <a:pt x="0" y="0"/>
+                </a:moveTo>
+                <a:lnTo>
+                  <a:pt x="8042507" y="0"/>
+                </a:lnTo>
+                <a:lnTo>
+                  <a:pt x="11218661" y="6858000"/>
+                </a:lnTo>
+                <a:lnTo>
+                  <a:pt x="0" y="6858000"/>
+                </a:lnTo>
+                <a:close/>
+              </a:path>
+            </a:pathLst>
+          </a:custGeom>
+          <a:solidFill>
+            <a:schemeClr val="bg1">
+              <a:lumMod val="85000"/>
+              <a:lumOff val="15000"/>
+              <a:alpha val="70000"/>
+            </a:schemeClr>
+          </a:solidFill>
+          <a:ln>
+            <a:noFill/>
+          </a:ln>
+        </p:spPr>
+        <p:style>
+          <a:lnRef idx="2">
+            <a:schemeClr val="accent1">
+              <a:shade val="50000"/>
+            </a:schemeClr>
+          </a:lnRef>
+          <a:fillRef idx="1">
+            <a:schemeClr val="accent1"/>
+          </a:fillRef>
+          <a:effectRef idx="0">
+            <a:schemeClr val="accent1"/>
+          </a:effectRef>
+          <a:fontRef idx="minor">
+            <a:schemeClr val="lt1"/>
+          </a:fontRef>
+        </p:style>
+        <p:txBody>
+          <a:bodyPr wrap="square" rtlCol="0" anchor="ctr">
+            <a:noAutofit/>
+          </a:bodyPr>
+          <a:lstStyle/>
+          <a:p>
+            <a:pPr algn="ctr"/>
+            <a:endParaRPr lang="en-US"/>
+          </a:p>
+        </p:txBody>
+      </p:sp>
+      <p:sp>
+        <p:nvSpPr>
+          <p:cNvPr id="14" name="Freeform 26">
+            <a:extLst>
+              <a:ext uri="{FF2B5EF4-FFF2-40B4-BE49-F238E27FC236}">
+                <a16:creationId xmlns:a16="http://schemas.microsoft.com/office/drawing/2014/main" id="{58F1FB8D-1842-4A04-998D-6CF047AB2790}"/>
+              </a:ext>
+              <a:ext uri="{C183D7F6-B498-43B3-948B-1728B52AA6E4}">
+                <adec:decorative xmlns:adec="http://schemas.microsoft.com/office/drawing/2017/decorative" val="1"/>
+              </a:ext>
+            </a:extLst>
+          </p:cNvPr>
+          <p:cNvSpPr>
+            <a:spLocks noGrp="1" noRot="1" noChangeAspect="1" noMove="1" noResize="1" noEditPoints="1" noAdjustHandles="1" noChangeArrowheads="1" noChangeShapeType="1" noTextEdit="1"/>
+          </p:cNvSpPr>
+          <p:nvPr>
+            <p:extLst>
+              <p:ext uri="{386F3935-93C4-4BCD-93E2-E3B085C9AB24}">
+                <p16:designElem xmlns:p16="http://schemas.microsoft.com/office/powerpoint/2015/main" val="1"/>
+              </p:ext>
+            </p:extLst>
+          </p:nvPr>
+        </p:nvSpPr>
+        <p:spPr>
+          <a:xfrm flipH="1" flipV="1">
+            <a:off x="1420248" y="0"/>
+            <a:ext cx="10771752" cy="6858000"/>
+          </a:xfrm>
+          <a:custGeom>
+            <a:avLst/>
+            <a:gdLst>
+              <a:gd name="connsiteX0" fmla="*/ 0 w 10771752"/>
+              <a:gd name="connsiteY0" fmla="*/ 0 h 6858000"/>
+              <a:gd name="connsiteX1" fmla="*/ 7595598 w 10771752"/>
+              <a:gd name="connsiteY1" fmla="*/ 0 h 6858000"/>
+              <a:gd name="connsiteX2" fmla="*/ 10771752 w 10771752"/>
+              <a:gd name="connsiteY2" fmla="*/ 6858000 h 6858000"/>
+              <a:gd name="connsiteX3" fmla="*/ 0 w 10771752"/>
+              <a:gd name="connsiteY3" fmla="*/ 6858000 h 6858000"/>
+            </a:gdLst>
+            <a:ahLst/>
+            <a:cxnLst>
+              <a:cxn ang="0">
+                <a:pos x="connsiteX0" y="connsiteY0"/>
+              </a:cxn>
+              <a:cxn ang="0">
+                <a:pos x="connsiteX1" y="connsiteY1"/>
+              </a:cxn>
+              <a:cxn ang="0">
+                <a:pos x="connsiteX2" y="connsiteY2"/>
+              </a:cxn>
+              <a:cxn ang="0">
+                <a:pos x="connsiteX3" y="connsiteY3"/>
+              </a:cxn>
+            </a:cxnLst>
+            <a:rect l="l" t="t" r="r" b="b"/>
+            <a:pathLst>
+              <a:path w="10771752" h="6858000">
+                <a:moveTo>
+                  <a:pt x="0" y="0"/>
+                </a:moveTo>
+                <a:lnTo>
+                  <a:pt x="7595598" y="0"/>
+                </a:lnTo>
+                <a:lnTo>
+                  <a:pt x="10771752" y="6858000"/>
+                </a:lnTo>
+                <a:lnTo>
+                  <a:pt x="0" y="6858000"/>
+                </a:lnTo>
+                <a:close/>
+              </a:path>
+            </a:pathLst>
+          </a:custGeom>
+          <a:solidFill>
+            <a:schemeClr val="bg1">
+              <a:lumMod val="85000"/>
+              <a:lumOff val="15000"/>
+            </a:schemeClr>
+          </a:solidFill>
+          <a:ln>
+            <a:noFill/>
+          </a:ln>
+        </p:spPr>
+        <p:style>
+          <a:lnRef idx="2">
+            <a:schemeClr val="accent1">
+              <a:shade val="50000"/>
+            </a:schemeClr>
+          </a:lnRef>
+          <a:fillRef idx="1">
+            <a:schemeClr val="accent1"/>
+          </a:fillRef>
+          <a:effectRef idx="0">
+            <a:schemeClr val="accent1"/>
+          </a:effectRef>
+          <a:fontRef idx="minor">
+            <a:schemeClr val="lt1"/>
+          </a:fontRef>
+        </p:style>
+        <p:txBody>
+          <a:bodyPr wrap="square" rtlCol="0" anchor="ctr">
+            <a:noAutofit/>
+          </a:bodyPr>
+          <a:lstStyle/>
+          <a:p>
+            <a:pPr algn="ctr"/>
+            <a:endParaRPr lang="en-US"/>
+          </a:p>
+        </p:txBody>
+      </p:sp>
+      <p:sp>
+        <p:nvSpPr>
+          <p:cNvPr id="2" name="Title 1">
+            <a:extLst>
+              <a:ext uri="{FF2B5EF4-FFF2-40B4-BE49-F238E27FC236}">
+                <a16:creationId xmlns:a16="http://schemas.microsoft.com/office/drawing/2014/main" id="{A54C7234-E1BB-4E88-BADC-6F85BEC2697F}"/>
+              </a:ext>
+            </a:extLst>
+          </p:cNvPr>
+          <p:cNvSpPr>
+            <a:spLocks noGrp="1"/>
+          </p:cNvSpPr>
+          <p:nvPr>
+            <p:ph type="title"/>
+          </p:nvPr>
+        </p:nvSpPr>
+        <p:spPr>
+          <a:xfrm>
+            <a:off x="4384039" y="365125"/>
+            <a:ext cx="7164493" cy="1325563"/>
+          </a:xfrm>
+        </p:spPr>
+        <p:txBody>
+          <a:bodyPr>
+            <a:normAutofit/>
+          </a:bodyPr>
+          <a:lstStyle/>
+          <a:p>
+            <a:r>
+              <a:rPr lang="en-CA" dirty="0"/>
+              <a:t>Phil Spector, 1939 to present</a:t>
+            </a:r>
+          </a:p>
+        </p:txBody>
+      </p:sp>
+      <p:pic>
+        <p:nvPicPr>
+          <p:cNvPr id="5" name="Picture 4" descr="A person wearing a suit and tie&#10;&#10;Description automatically generated">
+            <a:extLst>
+              <a:ext uri="{FF2B5EF4-FFF2-40B4-BE49-F238E27FC236}">
+                <a16:creationId xmlns:a16="http://schemas.microsoft.com/office/drawing/2014/main" id="{2C769E1C-AC5C-498D-9519-CCF88ACB9205}"/>
+              </a:ext>
+            </a:extLst>
+          </p:cNvPr>
+          <p:cNvPicPr>
+            <a:picLocks noChangeAspect="1"/>
+          </p:cNvPicPr>
+          <p:nvPr/>
+        </p:nvPicPr>
+        <p:blipFill>
+          <a:blip r:embed="rId2">
+            <a:extLst>
+              <a:ext uri="{28A0092B-C50C-407E-A947-70E740481C1C}">
+                <a14:useLocalDpi xmlns:a14="http://schemas.microsoft.com/office/drawing/2010/main" val="0"/>
+              </a:ext>
+            </a:extLst>
+          </a:blip>
+          <a:stretch>
+            <a:fillRect/>
+          </a:stretch>
+        </p:blipFill>
+        <p:spPr>
+          <a:xfrm>
+            <a:off x="480060" y="793408"/>
+            <a:ext cx="3425957" cy="5270703"/>
+          </a:xfrm>
+          <a:prstGeom prst="rect">
+            <a:avLst/>
+          </a:prstGeom>
+          <a:ln>
+            <a:noFill/>
+          </a:ln>
+          <a:effectLst>
+            <a:outerShdw blurRad="292100" dist="139700" dir="2700000" algn="tl" rotWithShape="0">
+              <a:srgbClr val="333333">
+                <a:alpha val="65000"/>
+              </a:srgbClr>
+            </a:outerShdw>
+          </a:effectLst>
+        </p:spPr>
+      </p:pic>
+      <p:sp>
+        <p:nvSpPr>
+          <p:cNvPr id="3" name="Content Placeholder 2">
+            <a:extLst>
+              <a:ext uri="{FF2B5EF4-FFF2-40B4-BE49-F238E27FC236}">
+                <a16:creationId xmlns:a16="http://schemas.microsoft.com/office/drawing/2014/main" id="{19DE067C-D1D3-4600-B0E1-E34F699D5079}"/>
+              </a:ext>
+            </a:extLst>
+          </p:cNvPr>
+          <p:cNvSpPr>
+            <a:spLocks noGrp="1"/>
+          </p:cNvSpPr>
+          <p:nvPr>
+            <p:ph idx="1"/>
+          </p:nvPr>
+        </p:nvSpPr>
+        <p:spPr>
+          <a:xfrm>
+            <a:off x="4387515" y="1517515"/>
+            <a:ext cx="7451047" cy="4659447"/>
+          </a:xfrm>
+        </p:spPr>
+        <p:txBody>
+          <a:bodyPr>
+            <a:noAutofit/>
+          </a:bodyPr>
+          <a:lstStyle/>
+          <a:p>
+            <a:r>
+              <a:rPr lang="en-CA" sz="2400" dirty="0"/>
+              <a:t>Born in the Bronx in 1939.</a:t>
+            </a:r>
+          </a:p>
+          <a:p>
+            <a:r>
+              <a:rPr lang="en-CA" sz="2400" dirty="0"/>
+              <a:t>1958: co-founded The Teddy Bears, lead guitarist.</a:t>
+            </a:r>
+          </a:p>
+          <a:p>
+            <a:r>
+              <a:rPr lang="en-CA" sz="2400" dirty="0"/>
+              <a:t>Wrote and performed “To know him is to love him.” [</a:t>
+            </a:r>
+            <a:r>
+              <a:rPr lang="en-CA" sz="2400" dirty="0">
+                <a:hlinkClick r:id="rId3"/>
+              </a:rPr>
+              <a:t>link</a:t>
+            </a:r>
+            <a:r>
+              <a:rPr lang="en-CA" sz="2400" dirty="0"/>
+              <a:t>]</a:t>
+            </a:r>
+          </a:p>
+          <a:p>
+            <a:r>
+              <a:rPr lang="en-CA" sz="2400" dirty="0"/>
+              <a:t>1960 co-founded </a:t>
+            </a:r>
+            <a:r>
+              <a:rPr lang="en-CA" sz="2400" dirty="0" err="1"/>
+              <a:t>Philles</a:t>
+            </a:r>
+            <a:r>
+              <a:rPr lang="en-CA" sz="2400" dirty="0"/>
+              <a:t> Records with Lester Sill, youngest US label owner at the time.</a:t>
+            </a:r>
+          </a:p>
+          <a:p>
+            <a:r>
+              <a:rPr lang="en-CA" sz="2400" dirty="0"/>
+              <a:t>Gifted at finding talent and producing it: “Wall of Sound”</a:t>
+            </a:r>
+          </a:p>
+          <a:p>
+            <a:r>
+              <a:rPr lang="en-CA" sz="2400" dirty="0"/>
+              <a:t>The Crystals, “Da Doo Ron </a:t>
+            </a:r>
+            <a:r>
+              <a:rPr lang="en-CA" sz="2400" dirty="0" err="1"/>
+              <a:t>Ron</a:t>
+            </a:r>
+            <a:r>
+              <a:rPr lang="en-CA" sz="2400" dirty="0"/>
+              <a:t>,” [</a:t>
+            </a:r>
+            <a:r>
+              <a:rPr lang="en-CA" sz="2400" dirty="0">
+                <a:hlinkClick r:id="rId4"/>
+              </a:rPr>
+              <a:t>link</a:t>
+            </a:r>
+            <a:r>
+              <a:rPr lang="en-CA" sz="2400" dirty="0"/>
+              <a:t>]</a:t>
+            </a:r>
+          </a:p>
+          <a:p>
+            <a:r>
+              <a:rPr lang="en-CA" sz="2400" dirty="0"/>
+              <a:t>The </a:t>
+            </a:r>
+            <a:r>
+              <a:rPr lang="en-CA" sz="2400" dirty="0" err="1"/>
+              <a:t>Ronettes</a:t>
+            </a:r>
+            <a:r>
+              <a:rPr lang="en-CA" sz="2400" dirty="0"/>
+              <a:t>, “Be My Baby,” [</a:t>
+            </a:r>
+            <a:r>
+              <a:rPr lang="en-CA" sz="2400" dirty="0">
+                <a:hlinkClick r:id="rId5"/>
+              </a:rPr>
+              <a:t>link</a:t>
+            </a:r>
+            <a:r>
+              <a:rPr lang="en-CA" sz="2400" dirty="0"/>
+              <a:t>]</a:t>
+            </a:r>
+          </a:p>
+          <a:p>
+            <a:r>
+              <a:rPr lang="en-CA" sz="2400" dirty="0"/>
+              <a:t>Control freak, see Ronnie Spector’s autobiography.</a:t>
+            </a:r>
+          </a:p>
+        </p:txBody>
+      </p:sp>
+    </p:spTree>
+    <p:extLst>
+      <p:ext uri="{BB962C8B-B14F-4D97-AF65-F5344CB8AC3E}">
+        <p14:creationId xmlns:p14="http://schemas.microsoft.com/office/powerpoint/2010/main" val="1060176642"/>
+      </p:ext>
+    </p:extLst>
+  </p:cSld>
+  <p:clrMapOvr>
+    <a:overrideClrMapping bg1="dk1" tx1="lt1" bg2="dk2" tx2="lt2" accent1="accent1" accent2="accent2" accent3="accent3" accent4="accent4" accent5="accent5" accent6="accent6" hlink="hlink" folHlink="folHlink"/>
+  </p:clrMapOvr>
+</p:sld>
+</file>
+
+<file path=ppt/slides/slide12.xml><?xml version="1.0" encoding="utf-8"?>
+<p:sld xmlns:a="http://schemas.openxmlformats.org/drawingml/2006/main" xmlns:r="http://schemas.openxmlformats.org/officeDocument/2006/relationships" xmlns:p="http://schemas.openxmlformats.org/presentationml/2006/main">
+  <p:cSld>
     <p:spTree>
       <p:nvGrpSpPr>
         <p:cNvPr id="1" name=""/>
@@ -3654,7 +4192,7 @@
         <p:spPr>
           <a:xfrm>
             <a:off x="336163" y="1156996"/>
-            <a:ext cx="7076314" cy="4832092"/>
+            <a:ext cx="7076314" cy="5262979"/>
           </a:xfrm>
           <a:prstGeom prst="rect">
             <a:avLst/>
@@ -3673,7 +4211,17 @@
             </a:pPr>
             <a:r>
               <a:rPr lang="en-US" sz="2800" dirty="0"/>
-              <a:t>Brian Wilson’s project</a:t>
+              <a:t>Brian Wilson’s project [</a:t>
+            </a:r>
+            <a:r>
+              <a:rPr lang="en-US" sz="2800" dirty="0">
+                <a:hlinkClick r:id="rId3"/>
+              </a:rPr>
+              <a:t>link</a:t>
+            </a:r>
+            <a:r>
+              <a:rPr lang="en-US" sz="2800" dirty="0"/>
+              <a:t>]</a:t>
             </a:r>
           </a:p>
           <a:p>
@@ -3683,7 +4231,7 @@
             </a:pPr>
             <a:r>
               <a:rPr lang="en-US" sz="2800" dirty="0"/>
-              <a:t>The Beatles’ “Rubber Soul” (1965)</a:t>
+              <a:t>The Beatles’ “Rubber Soul” (Dec 1965)</a:t>
             </a:r>
           </a:p>
           <a:p>
@@ -3754,6 +4302,16 @@
             <a:r>
               <a:rPr lang="en-US" sz="2800" dirty="0"/>
               <a:t>Not very popular then, but very influential.</a:t>
+            </a:r>
+          </a:p>
+          <a:p>
+            <a:pPr marL="285750" indent="-285750">
+              <a:buFont typeface="Arial" panose="020B0604020202020204" pitchFamily="34" charset="0"/>
+              <a:buChar char="•"/>
+            </a:pPr>
+            <a:r>
+              <a:rPr lang="en-US" sz="2800" dirty="0"/>
+              <a:t>By 2000, sold over two million copies.</a:t>
             </a:r>
           </a:p>
         </p:txBody>
@@ -3767,6 +4325,494 @@
   </p:cSld>
   <p:clrMapOvr>
     <a:masterClrMapping/>
+  </p:clrMapOvr>
+</p:sld>
+</file>
+
+<file path=ppt/slides/slide13.xml><?xml version="1.0" encoding="utf-8"?>
+<p:sld xmlns:a="http://schemas.openxmlformats.org/drawingml/2006/main" xmlns:r="http://schemas.openxmlformats.org/officeDocument/2006/relationships" xmlns:p="http://schemas.openxmlformats.org/presentationml/2006/main">
+  <p:cSld>
+    <p:bg>
+      <p:bgPr>
+        <a:solidFill>
+          <a:schemeClr val="bg1"/>
+        </a:solidFill>
+        <a:effectLst/>
+      </p:bgPr>
+    </p:bg>
+    <p:spTree>
+      <p:nvGrpSpPr>
+        <p:cNvPr id="1" name=""/>
+        <p:cNvGrpSpPr/>
+        <p:nvPr/>
+      </p:nvGrpSpPr>
+      <p:grpSpPr>
+        <a:xfrm>
+          <a:off x="0" y="0"/>
+          <a:ext cx="0" cy="0"/>
+          <a:chOff x="0" y="0"/>
+          <a:chExt cx="0" cy="0"/>
+        </a:xfrm>
+      </p:grpSpPr>
+      <p:sp>
+        <p:nvSpPr>
+          <p:cNvPr id="10" name="Rectangle 9">
+            <a:extLst>
+              <a:ext uri="{FF2B5EF4-FFF2-40B4-BE49-F238E27FC236}">
+                <a16:creationId xmlns:a16="http://schemas.microsoft.com/office/drawing/2014/main" id="{56C20283-73E0-40EC-8AD8-057F581F64C2}"/>
+              </a:ext>
+              <a:ext uri="{C183D7F6-B498-43B3-948B-1728B52AA6E4}">
+                <adec:decorative xmlns:adec="http://schemas.microsoft.com/office/drawing/2017/decorative" val="1"/>
+              </a:ext>
+            </a:extLst>
+          </p:cNvPr>
+          <p:cNvSpPr>
+            <a:spLocks noGrp="1" noRot="1" noChangeAspect="1" noMove="1" noResize="1" noEditPoints="1" noAdjustHandles="1" noChangeArrowheads="1" noChangeShapeType="1" noTextEdit="1"/>
+          </p:cNvSpPr>
+          <p:nvPr>
+            <p:extLst>
+              <p:ext uri="{386F3935-93C4-4BCD-93E2-E3B085C9AB24}">
+                <p16:designElem xmlns:p16="http://schemas.microsoft.com/office/powerpoint/2015/main" val="1"/>
+              </p:ext>
+            </p:extLst>
+          </p:nvPr>
+        </p:nvSpPr>
+        <p:spPr>
+          <a:xfrm>
+            <a:off x="1524" y="0"/>
+            <a:ext cx="12188952" cy="6858000"/>
+          </a:xfrm>
+          <a:prstGeom prst="rect">
+            <a:avLst/>
+          </a:prstGeom>
+          <a:solidFill>
+            <a:schemeClr val="tx1"/>
+          </a:solidFill>
+          <a:ln>
+            <a:noFill/>
+          </a:ln>
+        </p:spPr>
+        <p:style>
+          <a:lnRef idx="2">
+            <a:schemeClr val="accent1">
+              <a:shade val="50000"/>
+            </a:schemeClr>
+          </a:lnRef>
+          <a:fillRef idx="1">
+            <a:schemeClr val="accent1"/>
+          </a:fillRef>
+          <a:effectRef idx="0">
+            <a:schemeClr val="accent1"/>
+          </a:effectRef>
+          <a:fontRef idx="minor">
+            <a:schemeClr val="lt1"/>
+          </a:fontRef>
+        </p:style>
+        <p:txBody>
+          <a:bodyPr rtlCol="0" anchor="ctr"/>
+          <a:lstStyle/>
+          <a:p>
+            <a:pPr algn="ctr"/>
+            <a:endParaRPr lang="en-US"/>
+          </a:p>
+        </p:txBody>
+      </p:sp>
+      <p:sp>
+        <p:nvSpPr>
+          <p:cNvPr id="12" name="Freeform 28">
+            <a:extLst>
+              <a:ext uri="{FF2B5EF4-FFF2-40B4-BE49-F238E27FC236}">
+                <a16:creationId xmlns:a16="http://schemas.microsoft.com/office/drawing/2014/main" id="{3FCC729B-E528-40C3-82D3-BA4375575E87}"/>
+              </a:ext>
+              <a:ext uri="{C183D7F6-B498-43B3-948B-1728B52AA6E4}">
+                <adec:decorative xmlns:adec="http://schemas.microsoft.com/office/drawing/2017/decorative" val="1"/>
+              </a:ext>
+            </a:extLst>
+          </p:cNvPr>
+          <p:cNvSpPr>
+            <a:spLocks noGrp="1" noRot="1" noChangeAspect="1" noMove="1" noResize="1" noEditPoints="1" noAdjustHandles="1" noChangeArrowheads="1" noChangeShapeType="1" noTextEdit="1"/>
+          </p:cNvSpPr>
+          <p:nvPr>
+            <p:extLst>
+              <p:ext uri="{386F3935-93C4-4BCD-93E2-E3B085C9AB24}">
+                <p16:designElem xmlns:p16="http://schemas.microsoft.com/office/powerpoint/2015/main" val="1"/>
+              </p:ext>
+            </p:extLst>
+          </p:nvPr>
+        </p:nvSpPr>
+        <p:spPr>
+          <a:xfrm flipH="1" flipV="1">
+            <a:off x="960120" y="0"/>
+            <a:ext cx="11218661" cy="6858000"/>
+          </a:xfrm>
+          <a:custGeom>
+            <a:avLst/>
+            <a:gdLst>
+              <a:gd name="connsiteX0" fmla="*/ 0 w 11218661"/>
+              <a:gd name="connsiteY0" fmla="*/ 0 h 6858000"/>
+              <a:gd name="connsiteX1" fmla="*/ 8042507 w 11218661"/>
+              <a:gd name="connsiteY1" fmla="*/ 0 h 6858000"/>
+              <a:gd name="connsiteX2" fmla="*/ 11218661 w 11218661"/>
+              <a:gd name="connsiteY2" fmla="*/ 6858000 h 6858000"/>
+              <a:gd name="connsiteX3" fmla="*/ 0 w 11218661"/>
+              <a:gd name="connsiteY3" fmla="*/ 6858000 h 6858000"/>
+            </a:gdLst>
+            <a:ahLst/>
+            <a:cxnLst>
+              <a:cxn ang="0">
+                <a:pos x="connsiteX0" y="connsiteY0"/>
+              </a:cxn>
+              <a:cxn ang="0">
+                <a:pos x="connsiteX1" y="connsiteY1"/>
+              </a:cxn>
+              <a:cxn ang="0">
+                <a:pos x="connsiteX2" y="connsiteY2"/>
+              </a:cxn>
+              <a:cxn ang="0">
+                <a:pos x="connsiteX3" y="connsiteY3"/>
+              </a:cxn>
+            </a:cxnLst>
+            <a:rect l="l" t="t" r="r" b="b"/>
+            <a:pathLst>
+              <a:path w="11218661" h="6858000">
+                <a:moveTo>
+                  <a:pt x="0" y="0"/>
+                </a:moveTo>
+                <a:lnTo>
+                  <a:pt x="8042507" y="0"/>
+                </a:lnTo>
+                <a:lnTo>
+                  <a:pt x="11218661" y="6858000"/>
+                </a:lnTo>
+                <a:lnTo>
+                  <a:pt x="0" y="6858000"/>
+                </a:lnTo>
+                <a:close/>
+              </a:path>
+            </a:pathLst>
+          </a:custGeom>
+          <a:solidFill>
+            <a:schemeClr val="bg1">
+              <a:lumMod val="85000"/>
+              <a:lumOff val="15000"/>
+              <a:alpha val="70000"/>
+            </a:schemeClr>
+          </a:solidFill>
+          <a:ln>
+            <a:noFill/>
+          </a:ln>
+        </p:spPr>
+        <p:style>
+          <a:lnRef idx="2">
+            <a:schemeClr val="accent1">
+              <a:shade val="50000"/>
+            </a:schemeClr>
+          </a:lnRef>
+          <a:fillRef idx="1">
+            <a:schemeClr val="accent1"/>
+          </a:fillRef>
+          <a:effectRef idx="0">
+            <a:schemeClr val="accent1"/>
+          </a:effectRef>
+          <a:fontRef idx="minor">
+            <a:schemeClr val="lt1"/>
+          </a:fontRef>
+        </p:style>
+        <p:txBody>
+          <a:bodyPr wrap="square" rtlCol="0" anchor="ctr">
+            <a:noAutofit/>
+          </a:bodyPr>
+          <a:lstStyle/>
+          <a:p>
+            <a:pPr algn="ctr"/>
+            <a:endParaRPr lang="en-US"/>
+          </a:p>
+        </p:txBody>
+      </p:sp>
+      <p:sp>
+        <p:nvSpPr>
+          <p:cNvPr id="14" name="Freeform 26">
+            <a:extLst>
+              <a:ext uri="{FF2B5EF4-FFF2-40B4-BE49-F238E27FC236}">
+                <a16:creationId xmlns:a16="http://schemas.microsoft.com/office/drawing/2014/main" id="{58F1FB8D-1842-4A04-998D-6CF047AB2790}"/>
+              </a:ext>
+              <a:ext uri="{C183D7F6-B498-43B3-948B-1728B52AA6E4}">
+                <adec:decorative xmlns:adec="http://schemas.microsoft.com/office/drawing/2017/decorative" val="1"/>
+              </a:ext>
+            </a:extLst>
+          </p:cNvPr>
+          <p:cNvSpPr>
+            <a:spLocks noGrp="1" noRot="1" noChangeAspect="1" noMove="1" noResize="1" noEditPoints="1" noAdjustHandles="1" noChangeArrowheads="1" noChangeShapeType="1" noTextEdit="1"/>
+          </p:cNvSpPr>
+          <p:nvPr>
+            <p:extLst>
+              <p:ext uri="{386F3935-93C4-4BCD-93E2-E3B085C9AB24}">
+                <p16:designElem xmlns:p16="http://schemas.microsoft.com/office/powerpoint/2015/main" val="1"/>
+              </p:ext>
+            </p:extLst>
+          </p:nvPr>
+        </p:nvSpPr>
+        <p:spPr>
+          <a:xfrm flipH="1" flipV="1">
+            <a:off x="1420248" y="0"/>
+            <a:ext cx="10771752" cy="6858000"/>
+          </a:xfrm>
+          <a:custGeom>
+            <a:avLst/>
+            <a:gdLst>
+              <a:gd name="connsiteX0" fmla="*/ 0 w 10771752"/>
+              <a:gd name="connsiteY0" fmla="*/ 0 h 6858000"/>
+              <a:gd name="connsiteX1" fmla="*/ 7595598 w 10771752"/>
+              <a:gd name="connsiteY1" fmla="*/ 0 h 6858000"/>
+              <a:gd name="connsiteX2" fmla="*/ 10771752 w 10771752"/>
+              <a:gd name="connsiteY2" fmla="*/ 6858000 h 6858000"/>
+              <a:gd name="connsiteX3" fmla="*/ 0 w 10771752"/>
+              <a:gd name="connsiteY3" fmla="*/ 6858000 h 6858000"/>
+            </a:gdLst>
+            <a:ahLst/>
+            <a:cxnLst>
+              <a:cxn ang="0">
+                <a:pos x="connsiteX0" y="connsiteY0"/>
+              </a:cxn>
+              <a:cxn ang="0">
+                <a:pos x="connsiteX1" y="connsiteY1"/>
+              </a:cxn>
+              <a:cxn ang="0">
+                <a:pos x="connsiteX2" y="connsiteY2"/>
+              </a:cxn>
+              <a:cxn ang="0">
+                <a:pos x="connsiteX3" y="connsiteY3"/>
+              </a:cxn>
+            </a:cxnLst>
+            <a:rect l="l" t="t" r="r" b="b"/>
+            <a:pathLst>
+              <a:path w="10771752" h="6858000">
+                <a:moveTo>
+                  <a:pt x="0" y="0"/>
+                </a:moveTo>
+                <a:lnTo>
+                  <a:pt x="7595598" y="0"/>
+                </a:lnTo>
+                <a:lnTo>
+                  <a:pt x="10771752" y="6858000"/>
+                </a:lnTo>
+                <a:lnTo>
+                  <a:pt x="0" y="6858000"/>
+                </a:lnTo>
+                <a:close/>
+              </a:path>
+            </a:pathLst>
+          </a:custGeom>
+          <a:solidFill>
+            <a:schemeClr val="bg1">
+              <a:lumMod val="85000"/>
+              <a:lumOff val="15000"/>
+            </a:schemeClr>
+          </a:solidFill>
+          <a:ln>
+            <a:noFill/>
+          </a:ln>
+        </p:spPr>
+        <p:style>
+          <a:lnRef idx="2">
+            <a:schemeClr val="accent1">
+              <a:shade val="50000"/>
+            </a:schemeClr>
+          </a:lnRef>
+          <a:fillRef idx="1">
+            <a:schemeClr val="accent1"/>
+          </a:fillRef>
+          <a:effectRef idx="0">
+            <a:schemeClr val="accent1"/>
+          </a:effectRef>
+          <a:fontRef idx="minor">
+            <a:schemeClr val="lt1"/>
+          </a:fontRef>
+        </p:style>
+        <p:txBody>
+          <a:bodyPr wrap="square" rtlCol="0" anchor="ctr">
+            <a:noAutofit/>
+          </a:bodyPr>
+          <a:lstStyle/>
+          <a:p>
+            <a:pPr algn="ctr"/>
+            <a:endParaRPr lang="en-US"/>
+          </a:p>
+        </p:txBody>
+      </p:sp>
+      <p:sp>
+        <p:nvSpPr>
+          <p:cNvPr id="2" name="Title 1">
+            <a:extLst>
+              <a:ext uri="{FF2B5EF4-FFF2-40B4-BE49-F238E27FC236}">
+                <a16:creationId xmlns:a16="http://schemas.microsoft.com/office/drawing/2014/main" id="{C8D2DC5B-37DB-4111-AAEB-05ED815C64E6}"/>
+              </a:ext>
+            </a:extLst>
+          </p:cNvPr>
+          <p:cNvSpPr>
+            <a:spLocks noGrp="1"/>
+          </p:cNvSpPr>
+          <p:nvPr>
+            <p:ph type="title"/>
+          </p:nvPr>
+        </p:nvSpPr>
+        <p:spPr>
+          <a:xfrm>
+            <a:off x="4384039" y="365125"/>
+            <a:ext cx="7164493" cy="1325563"/>
+          </a:xfrm>
+        </p:spPr>
+        <p:txBody>
+          <a:bodyPr>
+            <a:normAutofit/>
+          </a:bodyPr>
+          <a:lstStyle/>
+          <a:p>
+            <a:r>
+              <a:rPr lang="en-CA"/>
+              <a:t>Good Vibrations, October 1966	</a:t>
+            </a:r>
+            <a:endParaRPr lang="en-CA" dirty="0"/>
+          </a:p>
+        </p:txBody>
+      </p:sp>
+      <p:pic>
+        <p:nvPicPr>
+          <p:cNvPr id="5" name="Picture 4" descr="A person standing in front of a crowd&#10;&#10;Description automatically generated">
+            <a:extLst>
+              <a:ext uri="{FF2B5EF4-FFF2-40B4-BE49-F238E27FC236}">
+                <a16:creationId xmlns:a16="http://schemas.microsoft.com/office/drawing/2014/main" id="{5A2A3A75-2192-488B-97E1-863085CF2B5F}"/>
+              </a:ext>
+            </a:extLst>
+          </p:cNvPr>
+          <p:cNvPicPr>
+            <a:picLocks noChangeAspect="1"/>
+          </p:cNvPicPr>
+          <p:nvPr/>
+        </p:nvPicPr>
+        <p:blipFill>
+          <a:blip r:embed="rId2">
+            <a:extLst>
+              <a:ext uri="{28A0092B-C50C-407E-A947-70E740481C1C}">
+                <a14:useLocalDpi xmlns:a14="http://schemas.microsoft.com/office/drawing/2010/main" val="0"/>
+              </a:ext>
+            </a:extLst>
+          </a:blip>
+          <a:stretch>
+            <a:fillRect/>
+          </a:stretch>
+        </p:blipFill>
+        <p:spPr>
+          <a:xfrm>
+            <a:off x="480060" y="1715781"/>
+            <a:ext cx="3425957" cy="3425957"/>
+          </a:xfrm>
+          <a:prstGeom prst="rect">
+            <a:avLst/>
+          </a:prstGeom>
+        </p:spPr>
+      </p:pic>
+      <p:sp>
+        <p:nvSpPr>
+          <p:cNvPr id="3" name="Content Placeholder 2">
+            <a:extLst>
+              <a:ext uri="{FF2B5EF4-FFF2-40B4-BE49-F238E27FC236}">
+                <a16:creationId xmlns:a16="http://schemas.microsoft.com/office/drawing/2014/main" id="{CA471CD6-5DB8-4B53-8142-DA686F8C4815}"/>
+              </a:ext>
+            </a:extLst>
+          </p:cNvPr>
+          <p:cNvSpPr>
+            <a:spLocks noGrp="1"/>
+          </p:cNvSpPr>
+          <p:nvPr>
+            <p:ph idx="1"/>
+          </p:nvPr>
+        </p:nvSpPr>
+        <p:spPr>
+          <a:xfrm>
+            <a:off x="4289899" y="1254869"/>
+            <a:ext cx="7258634" cy="4922094"/>
+          </a:xfrm>
+        </p:spPr>
+        <p:txBody>
+          <a:bodyPr>
+            <a:normAutofit/>
+          </a:bodyPr>
+          <a:lstStyle/>
+          <a:p>
+            <a:r>
+              <a:rPr lang="en-CA" sz="2400" dirty="0"/>
+              <a:t>Wilson wrote music to sound like cosmic vibrations.</a:t>
+            </a:r>
+          </a:p>
+          <a:p>
+            <a:r>
+              <a:rPr lang="en-CA" sz="2400" dirty="0"/>
+              <a:t>90 hours of tape used in recording (perfectionist)</a:t>
+            </a:r>
+          </a:p>
+          <a:p>
+            <a:r>
+              <a:rPr lang="en-CA" sz="2400" dirty="0"/>
+              <a:t>Mike Love wrote words to go with emerging Flower Power / Hippie Movement.</a:t>
+            </a:r>
+          </a:p>
+          <a:p>
+            <a:r>
+              <a:rPr lang="en-CA" sz="2400" dirty="0"/>
+              <a:t>Released as a single, no album.</a:t>
+            </a:r>
+          </a:p>
+          <a:p>
+            <a:r>
+              <a:rPr lang="en-CA" sz="2400" dirty="0"/>
+              <a:t>Soon dubbed a “pocket symphony.”</a:t>
+            </a:r>
+          </a:p>
+          <a:p>
+            <a:r>
+              <a:rPr lang="en-CA" sz="2400" dirty="0"/>
+              <a:t>Helped spawn greater pop experimentation, psychedelic rock, and progressive rock.</a:t>
+            </a:r>
+          </a:p>
+          <a:p>
+            <a:r>
+              <a:rPr lang="en-CA" sz="2400" dirty="0"/>
+              <a:t>Influenced such songs as </a:t>
+            </a:r>
+            <a:r>
+              <a:rPr lang="en-CA" sz="2400"/>
+              <a:t>“A Day </a:t>
+            </a:r>
+            <a:r>
+              <a:rPr lang="en-CA" sz="2400" dirty="0"/>
+              <a:t>in the life” and “Bohemian Rhapsody.”</a:t>
+            </a:r>
+          </a:p>
+          <a:p>
+            <a:r>
+              <a:rPr lang="en-CA" sz="2400" dirty="0"/>
+              <a:t>Link: </a:t>
+            </a:r>
+            <a:r>
+              <a:rPr lang="en-CA" sz="2400" dirty="0">
+                <a:hlinkClick r:id="rId3"/>
+              </a:rPr>
+              <a:t>https://www.youtube.com/watch?v=5IYJtdtr678</a:t>
+            </a:r>
+            <a:endParaRPr lang="en-CA" sz="2400" dirty="0"/>
+          </a:p>
+        </p:txBody>
+      </p:sp>
+    </p:spTree>
+    <p:extLst>
+      <p:ext uri="{BB962C8B-B14F-4D97-AF65-F5344CB8AC3E}">
+        <p14:creationId xmlns:p14="http://schemas.microsoft.com/office/powerpoint/2010/main" val="719100649"/>
+      </p:ext>
+    </p:extLst>
+  </p:cSld>
+  <p:clrMapOvr>
+    <a:overrideClrMapping bg1="dk1" tx1="lt1" bg2="dk2" tx2="lt2" accent1="accent1" accent2="accent2" accent3="accent3" accent4="accent4" accent5="accent5" accent6="accent6" hlink="hlink" folHlink="folHlink"/>
   </p:clrMapOvr>
 </p:sld>
 </file>
@@ -3930,12 +4976,14 @@
         </p:nvSpPr>
         <p:spPr/>
         <p:txBody>
-          <a:bodyPr/>
+          <a:bodyPr>
+            <a:normAutofit lnSpcReduction="10000"/>
+          </a:bodyPr>
           <a:lstStyle/>
           <a:p>
             <a:r>
               <a:rPr lang="en-US" dirty="0"/>
-              <a:t>Huge</a:t>
+              <a:t>Massive, sprawling, wealthy</a:t>
             </a:r>
           </a:p>
           <a:p>
@@ -3960,6 +5008,12 @@
             <a:r>
               <a:rPr lang="en-US" dirty="0"/>
               <a:t>Disneyland, opened July 1955</a:t>
+            </a:r>
+          </a:p>
+          <a:p>
+            <a:r>
+              <a:rPr lang="en-US" dirty="0"/>
+              <a:t>Hollywood, center of movie-making.</a:t>
             </a:r>
           </a:p>
           <a:p>
@@ -4045,8 +5099,8 @@
         </p:nvSpPr>
         <p:spPr>
           <a:xfrm>
-            <a:off x="838200" y="2236763"/>
-            <a:ext cx="4648200" cy="3940200"/>
+            <a:off x="233464" y="2236763"/>
+            <a:ext cx="5862536" cy="3940200"/>
           </a:xfrm>
         </p:spPr>
         <p:txBody>
@@ -4054,36 +5108,36 @@
           <a:lstStyle/>
           <a:p>
             <a:r>
-              <a:rPr lang="en-US" dirty="0"/>
+              <a:rPr lang="en-US" sz="3600" dirty="0"/>
               <a:t>Boards, sticks, woodies, polys</a:t>
             </a:r>
           </a:p>
           <a:p>
             <a:r>
-              <a:rPr lang="en-US" dirty="0"/>
+              <a:rPr lang="en-US" sz="3600" dirty="0"/>
               <a:t>Soup, big guns, hairy</a:t>
             </a:r>
           </a:p>
           <a:p>
             <a:r>
-              <a:rPr lang="en-US" dirty="0"/>
+              <a:rPr lang="en-US" sz="3600" dirty="0"/>
               <a:t>Hot dogging, </a:t>
             </a:r>
           </a:p>
           <a:p>
             <a:r>
-              <a:rPr lang="en-US" dirty="0"/>
+              <a:rPr lang="en-US" sz="3600" dirty="0"/>
               <a:t>Bunnies, </a:t>
             </a:r>
             <a:r>
-              <a:rPr lang="en-US" dirty="0" err="1"/>
+              <a:rPr lang="en-US" sz="3600" dirty="0" err="1"/>
               <a:t>Barbies</a:t>
             </a:r>
-            <a:endParaRPr lang="en-US" dirty="0"/>
-          </a:p>
-          <a:p>
-            <a:r>
-              <a:rPr lang="en-US" dirty="0"/>
+            <a:endParaRPr lang="en-US" sz="3600" dirty="0"/>
+          </a:p>
+          <a:p>
+            <a:r>
+              <a:rPr lang="en-US" sz="3600" dirty="0"/>
               <a:t>Gremlins, kooks</a:t>
             </a:r>
           </a:p>
@@ -4208,80 +5262,74 @@
         </p:nvSpPr>
         <p:spPr>
           <a:xfrm>
-            <a:off x="315686" y="1129005"/>
-            <a:ext cx="8954774" cy="5175056"/>
+            <a:off x="315686" y="1464905"/>
+            <a:ext cx="8707016" cy="4839155"/>
           </a:xfrm>
         </p:spPr>
         <p:txBody>
           <a:bodyPr>
-            <a:noAutofit/>
+            <a:normAutofit fontScale="85000" lnSpcReduction="20000"/>
           </a:bodyPr>
           <a:lstStyle/>
           <a:p>
             <a:r>
-              <a:rPr lang="en-US" sz="2400" dirty="0"/>
+              <a:rPr lang="en-US" dirty="0"/>
               <a:t>Richard Anthony </a:t>
             </a:r>
             <a:r>
-              <a:rPr lang="en-US" sz="2400" dirty="0" err="1"/>
+              <a:rPr lang="en-US" dirty="0" err="1"/>
               <a:t>Monsour</a:t>
             </a:r>
             <a:r>
-              <a:rPr lang="en-US" sz="2400" dirty="0"/>
+              <a:rPr lang="en-US" dirty="0"/>
               <a:t> (b. 1937) from Boston and Quincy, Mass.</a:t>
             </a:r>
           </a:p>
           <a:p>
             <a:r>
-              <a:rPr lang="en-US" sz="2400" dirty="0"/>
-              <a:t>learned to play piano, ukulele, guitar, trumpet, </a:t>
-            </a:r>
-            <a:r>
-              <a:rPr lang="en-US" sz="2400" dirty="0" err="1"/>
+              <a:rPr lang="en-US" dirty="0"/>
+              <a:t> After grade 11, moved to El Segundo, learned to play piano, ukulele, guitar, trumpet, </a:t>
+            </a:r>
+            <a:r>
+              <a:rPr lang="en-US" dirty="0" err="1"/>
               <a:t>tarabaki</a:t>
             </a:r>
             <a:r>
-              <a:rPr lang="en-US" sz="2400" dirty="0"/>
+              <a:rPr lang="en-US" dirty="0"/>
               <a:t>, and drums.</a:t>
             </a:r>
           </a:p>
           <a:p>
             <a:r>
-              <a:rPr lang="en-US" sz="2400" dirty="0"/>
-              <a:t>After grade 11, moved to El Segundo.</a:t>
-            </a:r>
-          </a:p>
-          <a:p>
-            <a:r>
-              <a:rPr lang="en-US" sz="2400" dirty="0"/>
+              <a:rPr lang="en-US" dirty="0"/>
               <a:t>Learned to surf, and then made music to match.</a:t>
             </a:r>
           </a:p>
           <a:p>
             <a:r>
-              <a:rPr lang="en-US" sz="2400" dirty="0"/>
+              <a:rPr lang="en-US" dirty="0"/>
               <a:t>Leo Fender: guitars and amps (first 100-watt amp)</a:t>
             </a:r>
           </a:p>
           <a:p>
             <a:r>
-              <a:rPr lang="en-US" sz="2400" dirty="0"/>
+              <a:rPr lang="en-US" dirty="0"/>
               <a:t>Michalis </a:t>
             </a:r>
             <a:r>
-              <a:rPr lang="en-US" sz="2400" dirty="0" err="1"/>
+              <a:rPr lang="en-US" dirty="0" err="1"/>
               <a:t>Patrinos</a:t>
             </a:r>
             <a:r>
-              <a:rPr lang="en-US" sz="2400" dirty="0"/>
+              <a:rPr lang="en-US" dirty="0"/>
               <a:t> (from Izmir), “</a:t>
             </a:r>
             <a:r>
-              <a:rPr lang="en-US" sz="2400" dirty="0" err="1"/>
+              <a:rPr lang="en-US" dirty="0" err="1"/>
               <a:t>Miserlou</a:t>
             </a:r>
             <a:r>
-              <a:rPr lang="en-US" sz="2400" dirty="0"/>
+              <a:rPr lang="en-US" dirty="0"/>
               <a:t>,” 1930: </a:t>
             </a:r>
           </a:p>
@@ -4297,35 +5345,36 @@
           </a:p>
           <a:p>
             <a:r>
-              <a:rPr lang="en-US" sz="2400" dirty="0"/>
+              <a:rPr lang="en-US" dirty="0"/>
               <a:t>Dick Dale and the Del-Tones, “</a:t>
             </a:r>
             <a:r>
-              <a:rPr lang="en-US" sz="2400" dirty="0" err="1"/>
+              <a:rPr lang="en-US" dirty="0" err="1"/>
               <a:t>Miserlou</a:t>
             </a:r>
             <a:r>
-              <a:rPr lang="en-US" sz="2400" dirty="0"/>
+              <a:rPr lang="en-US" dirty="0"/>
               <a:t>,” 1962: </a:t>
             </a:r>
           </a:p>
           <a:p>
             <a:pPr lvl="1"/>
             <a:r>
-              <a:rPr lang="en-US" dirty="0">
+              <a:rPr lang="en-CA" dirty="0">
                 <a:hlinkClick r:id="rId3"/>
               </a:rPr>
-              <a:t>https://www.youtube.com/watch?v=-y3h9p_c5-M</a:t>
-            </a:r>
-            <a:endParaRPr lang="en-US" dirty="0"/>
-          </a:p>
-          <a:p>
-            <a:r>
-              <a:rPr lang="en-US" sz="2400" i="1" dirty="0"/>
+              <a:t>https://www.youtube.com/watch?v=mKpsuGMeqHI</a:t>
+            </a:r>
+            <a:endParaRPr lang="en-CA" dirty="0"/>
+          </a:p>
+          <a:p>
+            <a:pPr lvl="1"/>
+            <a:r>
+              <a:rPr lang="en-US" i="1" dirty="0"/>
               <a:t>Beach Party</a:t>
             </a:r>
             <a:r>
-              <a:rPr lang="en-US" sz="2400" dirty="0"/>
+              <a:rPr lang="en-US" dirty="0"/>
               <a:t> (1963 film):</a:t>
             </a:r>
           </a:p>
@@ -4341,7 +5390,7 @@
           </a:p>
           <a:p>
             <a:r>
-              <a:rPr lang="en-US" sz="2400" dirty="0"/>
+              <a:rPr lang="en-US" dirty="0"/>
               <a:t>Single-note staccato playing influenced, Hendrix, emergence of Heavy Metal</a:t>
             </a:r>
           </a:p>
@@ -4458,13 +5507,13 @@
         </p:nvSpPr>
         <p:spPr>
           <a:xfrm>
-            <a:off x="838200" y="1284052"/>
-            <a:ext cx="11000362" cy="5208822"/>
+            <a:off x="719847" y="1533795"/>
+            <a:ext cx="11118715" cy="4779456"/>
           </a:xfrm>
         </p:spPr>
         <p:txBody>
           <a:bodyPr>
-            <a:normAutofit fontScale="92500" lnSpcReduction="10000"/>
+            <a:normAutofit fontScale="92500"/>
           </a:bodyPr>
           <a:lstStyle/>
           <a:p>
@@ -4510,13 +5559,13 @@
           <a:p>
             <a:r>
               <a:rPr lang="en-CA" dirty="0"/>
-              <a:t>Brian Wilson gave them a hit in 1963 with “Surf City,” first surf song to top the Hot 100.</a:t>
-            </a:r>
-          </a:p>
-          <a:p>
-            <a:r>
-              <a:rPr lang="en-US" dirty="0"/>
-              <a:t>Other hits: "Drag City" (1963), "The Little Old Lady from Pasadena" (1964), and "Dead Man's Curve" (1964); </a:t>
+              <a:t>Brian Wilson gave them a hit in 1963 with “Surf City,” first surf song to top the Hot 100: </a:t>
+            </a:r>
+            <a:r>
+              <a:rPr lang="en-CA" dirty="0">
+                <a:hlinkClick r:id="rId2"/>
+              </a:rPr>
+              <a:t>https://www.youtube.com/watch?v=ERrwjR4ZlfI</a:t>
             </a:r>
             <a:endParaRPr lang="en-CA" dirty="0"/>
           </a:p>
@@ -4529,7 +5578,7 @@
           <a:p>
             <a:r>
               <a:rPr lang="en-CA" dirty="0"/>
-              <a:t>12 April 1966: Jan crashed is Corvette into a parked truck (brain damage, partially paralyzed).</a:t>
+              <a:t>12 April 1966: Jan crashed his Corvette into a parked truck (brain damage, partially paralyzed).</a:t>
             </a:r>
           </a:p>
         </p:txBody>
@@ -4723,7 +5772,7 @@
         </p:spPr>
         <p:txBody>
           <a:bodyPr>
-            <a:normAutofit fontScale="92500" lnSpcReduction="10000"/>
+            <a:normAutofit lnSpcReduction="10000"/>
           </a:bodyPr>
           <a:lstStyle/>
           <a:p>
@@ -4827,22 +5876,6 @@
             <a:r>
               <a:rPr lang="en-US" dirty="0">
                 <a:hlinkClick r:id="rId3"/>
-              </a:rPr>
-              <a:t>link</a:t>
-            </a:r>
-            <a:r>
-              <a:rPr lang="en-US" dirty="0"/>
-              <a:t>]</a:t>
-            </a:r>
-          </a:p>
-          <a:p>
-            <a:r>
-              <a:rPr lang="en-US" dirty="0"/>
-              <a:t>Good Vibrations, 1966: [</a:t>
-            </a:r>
-            <a:r>
-              <a:rPr lang="en-US" dirty="0">
-                <a:hlinkClick r:id="rId4"/>
               </a:rPr>
               <a:t>link</a:t>
             </a:r>
